--- a/PRESENTATION-FILES/Proyecto-FTC.pptx
+++ b/PRESENTATION-FILES/Proyecto-FTC.pptx
@@ -812,7 +812,7 @@
   <p:cSld>
     <p:spTree>
       <p:nvGrpSpPr>
-        <p:cNvPr id="172" name="Shape 172"/>
+        <p:cNvPr id="174" name="Shape 174"/>
         <p:cNvGrpSpPr/>
         <p:nvPr/>
       </p:nvGrpSpPr>
@@ -826,7 +826,7 @@
       </p:grpSpPr>
       <p:sp>
         <p:nvSpPr>
-          <p:cNvPr id="173" name="Google Shape;173;g7106279f76_0_2:notes"/>
+          <p:cNvPr id="175" name="Google Shape;175;g7106279f76_0_2:notes"/>
           <p:cNvSpPr/>
           <p:nvPr>
             <p:ph idx="2" type="sldImg"/>
@@ -861,7 +861,7 @@
       </p:sp>
       <p:sp>
         <p:nvSpPr>
-          <p:cNvPr id="174" name="Google Shape;174;g7106279f76_0_2:notes"/>
+          <p:cNvPr id="176" name="Google Shape;176;g7106279f76_0_2:notes"/>
           <p:cNvSpPr txBox="1"/>
           <p:nvPr>
             <p:ph idx="1" type="body"/>
@@ -911,7 +911,7 @@
   <p:cSld>
     <p:spTree>
       <p:nvGrpSpPr>
-        <p:cNvPr id="185" name="Shape 185"/>
+        <p:cNvPr id="187" name="Shape 187"/>
         <p:cNvGrpSpPr/>
         <p:nvPr/>
       </p:nvGrpSpPr>
@@ -925,7 +925,7 @@
       </p:grpSpPr>
       <p:sp>
         <p:nvSpPr>
-          <p:cNvPr id="186" name="Google Shape;186;g7106279f76_0_20:notes"/>
+          <p:cNvPr id="188" name="Google Shape;188;g7106279f76_0_20:notes"/>
           <p:cNvSpPr/>
           <p:nvPr>
             <p:ph idx="2" type="sldImg"/>
@@ -960,7 +960,7 @@
       </p:sp>
       <p:sp>
         <p:nvSpPr>
-          <p:cNvPr id="187" name="Google Shape;187;g7106279f76_0_20:notes"/>
+          <p:cNvPr id="189" name="Google Shape;189;g7106279f76_0_20:notes"/>
           <p:cNvSpPr txBox="1"/>
           <p:nvPr>
             <p:ph idx="1" type="body"/>
@@ -1010,7 +1010,7 @@
   <p:cSld>
     <p:spTree>
       <p:nvGrpSpPr>
-        <p:cNvPr id="198" name="Shape 198"/>
+        <p:cNvPr id="200" name="Shape 200"/>
         <p:cNvGrpSpPr/>
         <p:nvPr/>
       </p:nvGrpSpPr>
@@ -1024,7 +1024,7 @@
       </p:grpSpPr>
       <p:sp>
         <p:nvSpPr>
-          <p:cNvPr id="199" name="Google Shape;199;g6fdda14cb5_0_203:notes"/>
+          <p:cNvPr id="201" name="Google Shape;201;g6fdda14cb5_0_203:notes"/>
           <p:cNvSpPr/>
           <p:nvPr>
             <p:ph idx="2" type="sldImg"/>
@@ -1059,7 +1059,7 @@
       </p:sp>
       <p:sp>
         <p:nvSpPr>
-          <p:cNvPr id="200" name="Google Shape;200;g6fdda14cb5_0_203:notes"/>
+          <p:cNvPr id="202" name="Google Shape;202;g6fdda14cb5_0_203:notes"/>
           <p:cNvSpPr txBox="1"/>
           <p:nvPr>
             <p:ph idx="1" type="body"/>
@@ -1109,7 +1109,7 @@
   <p:cSld>
     <p:spTree>
       <p:nvGrpSpPr>
-        <p:cNvPr id="214" name="Shape 214"/>
+        <p:cNvPr id="216" name="Shape 216"/>
         <p:cNvGrpSpPr/>
         <p:nvPr/>
       </p:nvGrpSpPr>
@@ -1123,7 +1123,7 @@
       </p:grpSpPr>
       <p:sp>
         <p:nvSpPr>
-          <p:cNvPr id="215" name="Google Shape;215;g7106279f76_1_1:notes"/>
+          <p:cNvPr id="217" name="Google Shape;217;g7106279f76_1_1:notes"/>
           <p:cNvSpPr/>
           <p:nvPr>
             <p:ph idx="2" type="sldImg"/>
@@ -1158,7 +1158,7 @@
       </p:sp>
       <p:sp>
         <p:nvSpPr>
-          <p:cNvPr id="216" name="Google Shape;216;g7106279f76_1_1:notes"/>
+          <p:cNvPr id="218" name="Google Shape;218;g7106279f76_1_1:notes"/>
           <p:cNvSpPr txBox="1"/>
           <p:nvPr>
             <p:ph idx="1" type="body"/>
@@ -1208,7 +1208,7 @@
   <p:cSld>
     <p:spTree>
       <p:nvGrpSpPr>
-        <p:cNvPr id="227" name="Shape 227"/>
+        <p:cNvPr id="229" name="Shape 229"/>
         <p:cNvGrpSpPr/>
         <p:nvPr/>
       </p:nvGrpSpPr>
@@ -1222,7 +1222,7 @@
       </p:grpSpPr>
       <p:sp>
         <p:nvSpPr>
-          <p:cNvPr id="228" name="Google Shape;228;g6fdda14cb5_0_163:notes"/>
+          <p:cNvPr id="230" name="Google Shape;230;g6fdda14cb5_0_163:notes"/>
           <p:cNvSpPr/>
           <p:nvPr>
             <p:ph idx="2" type="sldImg"/>
@@ -1257,7 +1257,7 @@
       </p:sp>
       <p:sp>
         <p:nvSpPr>
-          <p:cNvPr id="229" name="Google Shape;229;g6fdda14cb5_0_163:notes"/>
+          <p:cNvPr id="231" name="Google Shape;231;g6fdda14cb5_0_163:notes"/>
           <p:cNvSpPr txBox="1"/>
           <p:nvPr>
             <p:ph idx="1" type="body"/>
@@ -1307,7 +1307,7 @@
   <p:cSld>
     <p:spTree>
       <p:nvGrpSpPr>
-        <p:cNvPr id="240" name="Shape 240"/>
+        <p:cNvPr id="242" name="Shape 242"/>
         <p:cNvGrpSpPr/>
         <p:nvPr/>
       </p:nvGrpSpPr>
@@ -1321,7 +1321,7 @@
       </p:grpSpPr>
       <p:sp>
         <p:nvSpPr>
-          <p:cNvPr id="241" name="Google Shape;241;g6fdda14cb5_0_181:notes"/>
+          <p:cNvPr id="243" name="Google Shape;243;g6fdda14cb5_0_181:notes"/>
           <p:cNvSpPr/>
           <p:nvPr>
             <p:ph idx="2" type="sldImg"/>
@@ -1356,7 +1356,7 @@
       </p:sp>
       <p:sp>
         <p:nvSpPr>
-          <p:cNvPr id="242" name="Google Shape;242;g6fdda14cb5_0_181:notes"/>
+          <p:cNvPr id="244" name="Google Shape;244;g6fdda14cb5_0_181:notes"/>
           <p:cNvSpPr txBox="1"/>
           <p:nvPr>
             <p:ph idx="1" type="body"/>
@@ -1406,7 +1406,7 @@
   <p:cSld>
     <p:spTree>
       <p:nvGrpSpPr>
-        <p:cNvPr id="253" name="Shape 253"/>
+        <p:cNvPr id="255" name="Shape 255"/>
         <p:cNvGrpSpPr/>
         <p:nvPr/>
       </p:nvGrpSpPr>
@@ -1420,7 +1420,7 @@
       </p:grpSpPr>
       <p:sp>
         <p:nvSpPr>
-          <p:cNvPr id="254" name="Google Shape;254;g6fdda14cb5_0_192:notes"/>
+          <p:cNvPr id="256" name="Google Shape;256;g6fdda14cb5_0_192:notes"/>
           <p:cNvSpPr/>
           <p:nvPr>
             <p:ph idx="2" type="sldImg"/>
@@ -1455,7 +1455,7 @@
       </p:sp>
       <p:sp>
         <p:nvSpPr>
-          <p:cNvPr id="255" name="Google Shape;255;g6fdda14cb5_0_192:notes"/>
+          <p:cNvPr id="257" name="Google Shape;257;g6fdda14cb5_0_192:notes"/>
           <p:cNvSpPr txBox="1"/>
           <p:nvPr>
             <p:ph idx="1" type="body"/>
@@ -1505,7 +1505,7 @@
   <p:cSld>
     <p:spTree>
       <p:nvGrpSpPr>
-        <p:cNvPr id="266" name="Shape 266"/>
+        <p:cNvPr id="268" name="Shape 268"/>
         <p:cNvGrpSpPr/>
         <p:nvPr/>
       </p:nvGrpSpPr>
@@ -1519,7 +1519,7 @@
       </p:grpSpPr>
       <p:sp>
         <p:nvSpPr>
-          <p:cNvPr id="267" name="Google Shape;267;g85b9fc11b2_0_0:notes"/>
+          <p:cNvPr id="269" name="Google Shape;269;g85b9fc11b2_0_0:notes"/>
           <p:cNvSpPr/>
           <p:nvPr>
             <p:ph idx="2" type="sldImg"/>
@@ -1554,7 +1554,7 @@
       </p:sp>
       <p:sp>
         <p:nvSpPr>
-          <p:cNvPr id="268" name="Google Shape;268;g85b9fc11b2_0_0:notes"/>
+          <p:cNvPr id="270" name="Google Shape;270;g85b9fc11b2_0_0:notes"/>
           <p:cNvSpPr txBox="1"/>
           <p:nvPr>
             <p:ph idx="1" type="body"/>
@@ -1604,7 +1604,7 @@
   <p:cSld>
     <p:spTree>
       <p:nvGrpSpPr>
-        <p:cNvPr id="279" name="Shape 279"/>
+        <p:cNvPr id="281" name="Shape 281"/>
         <p:cNvGrpSpPr/>
         <p:nvPr/>
       </p:nvGrpSpPr>
@@ -1618,7 +1618,7 @@
       </p:grpSpPr>
       <p:sp>
         <p:nvSpPr>
-          <p:cNvPr id="280" name="Google Shape;280;g8741e09c5a_0_17:notes"/>
+          <p:cNvPr id="282" name="Google Shape;282;g8741e09c5a_0_17:notes"/>
           <p:cNvSpPr/>
           <p:nvPr>
             <p:ph idx="2" type="sldImg"/>
@@ -1653,7 +1653,7 @@
       </p:sp>
       <p:sp>
         <p:nvSpPr>
-          <p:cNvPr id="281" name="Google Shape;281;g8741e09c5a_0_17:notes"/>
+          <p:cNvPr id="283" name="Google Shape;283;g8741e09c5a_0_17:notes"/>
           <p:cNvSpPr txBox="1"/>
           <p:nvPr>
             <p:ph idx="1" type="body"/>
@@ -1703,7 +1703,7 @@
   <p:cSld>
     <p:spTree>
       <p:nvGrpSpPr>
-        <p:cNvPr id="292" name="Shape 292"/>
+        <p:cNvPr id="294" name="Shape 294"/>
         <p:cNvGrpSpPr/>
         <p:nvPr/>
       </p:nvGrpSpPr>
@@ -1717,7 +1717,7 @@
       </p:grpSpPr>
       <p:sp>
         <p:nvSpPr>
-          <p:cNvPr id="293" name="Google Shape;293;g8741e09c5a_0_0:notes"/>
+          <p:cNvPr id="295" name="Google Shape;295;g8741e09c5a_0_0:notes"/>
           <p:cNvSpPr/>
           <p:nvPr>
             <p:ph idx="2" type="sldImg"/>
@@ -1752,7 +1752,7 @@
       </p:sp>
       <p:sp>
         <p:nvSpPr>
-          <p:cNvPr id="294" name="Google Shape;294;g8741e09c5a_0_0:notes"/>
+          <p:cNvPr id="296" name="Google Shape;296;g8741e09c5a_0_0:notes"/>
           <p:cNvSpPr txBox="1"/>
           <p:nvPr>
             <p:ph idx="1" type="body"/>
@@ -1901,7 +1901,7 @@
   <p:cSld>
     <p:spTree>
       <p:nvGrpSpPr>
-        <p:cNvPr id="305" name="Shape 305"/>
+        <p:cNvPr id="307" name="Shape 307"/>
         <p:cNvGrpSpPr/>
         <p:nvPr/>
       </p:nvGrpSpPr>
@@ -1915,7 +1915,7 @@
       </p:grpSpPr>
       <p:sp>
         <p:nvSpPr>
-          <p:cNvPr id="306" name="Google Shape;306;g6fdda14cb5_0_219:notes"/>
+          <p:cNvPr id="308" name="Google Shape;308;g6fdda14cb5_0_219:notes"/>
           <p:cNvSpPr/>
           <p:nvPr>
             <p:ph idx="2" type="sldImg"/>
@@ -1950,7 +1950,7 @@
       </p:sp>
       <p:sp>
         <p:nvSpPr>
-          <p:cNvPr id="307" name="Google Shape;307;g6fdda14cb5_0_219:notes"/>
+          <p:cNvPr id="309" name="Google Shape;309;g6fdda14cb5_0_219:notes"/>
           <p:cNvSpPr txBox="1"/>
           <p:nvPr>
             <p:ph idx="1" type="body"/>
@@ -2000,7 +2000,7 @@
   <p:cSld>
     <p:spTree>
       <p:nvGrpSpPr>
-        <p:cNvPr id="321" name="Shape 321"/>
+        <p:cNvPr id="323" name="Shape 323"/>
         <p:cNvGrpSpPr/>
         <p:nvPr/>
       </p:nvGrpSpPr>
@@ -2014,7 +2014,7 @@
       </p:grpSpPr>
       <p:sp>
         <p:nvSpPr>
-          <p:cNvPr id="322" name="Google Shape;322;g7106279f76_1_18:notes"/>
+          <p:cNvPr id="324" name="Google Shape;324;g7106279f76_1_18:notes"/>
           <p:cNvSpPr/>
           <p:nvPr>
             <p:ph idx="2" type="sldImg"/>
@@ -2049,7 +2049,7 @@
       </p:sp>
       <p:sp>
         <p:nvSpPr>
-          <p:cNvPr id="323" name="Google Shape;323;g7106279f76_1_18:notes"/>
+          <p:cNvPr id="325" name="Google Shape;325;g7106279f76_1_18:notes"/>
           <p:cNvSpPr txBox="1"/>
           <p:nvPr>
             <p:ph idx="1" type="body"/>
@@ -2099,7 +2099,7 @@
   <p:cSld>
     <p:spTree>
       <p:nvGrpSpPr>
-        <p:cNvPr id="331" name="Shape 331"/>
+        <p:cNvPr id="333" name="Shape 333"/>
         <p:cNvGrpSpPr/>
         <p:nvPr/>
       </p:nvGrpSpPr>
@@ -2113,7 +2113,7 @@
       </p:grpSpPr>
       <p:sp>
         <p:nvSpPr>
-          <p:cNvPr id="332" name="Google Shape;332;g871011e283_0_7:notes"/>
+          <p:cNvPr id="334" name="Google Shape;334;g871011e283_0_7:notes"/>
           <p:cNvSpPr/>
           <p:nvPr>
             <p:ph idx="2" type="sldImg"/>
@@ -2148,7 +2148,7 @@
       </p:sp>
       <p:sp>
         <p:nvSpPr>
-          <p:cNvPr id="333" name="Google Shape;333;g871011e283_0_7:notes"/>
+          <p:cNvPr id="335" name="Google Shape;335;g871011e283_0_7:notes"/>
           <p:cNvSpPr txBox="1"/>
           <p:nvPr>
             <p:ph idx="1" type="body"/>
@@ -2198,7 +2198,7 @@
   <p:cSld>
     <p:spTree>
       <p:nvGrpSpPr>
-        <p:cNvPr id="340" name="Shape 340"/>
+        <p:cNvPr id="342" name="Shape 342"/>
         <p:cNvGrpSpPr/>
         <p:nvPr/>
       </p:nvGrpSpPr>
@@ -2212,7 +2212,7 @@
       </p:grpSpPr>
       <p:sp>
         <p:nvSpPr>
-          <p:cNvPr id="341" name="Google Shape;341;g871011e283_0_20:notes"/>
+          <p:cNvPr id="343" name="Google Shape;343;g871011e283_0_20:notes"/>
           <p:cNvSpPr/>
           <p:nvPr>
             <p:ph idx="2" type="sldImg"/>
@@ -2247,7 +2247,7 @@
       </p:sp>
       <p:sp>
         <p:nvSpPr>
-          <p:cNvPr id="342" name="Google Shape;342;g871011e283_0_20:notes"/>
+          <p:cNvPr id="344" name="Google Shape;344;g871011e283_0_20:notes"/>
           <p:cNvSpPr txBox="1"/>
           <p:nvPr>
             <p:ph idx="1" type="body"/>
@@ -2594,7 +2594,7 @@
   <p:cSld>
     <p:spTree>
       <p:nvGrpSpPr>
-        <p:cNvPr id="115" name="Shape 115"/>
+        <p:cNvPr id="117" name="Shape 117"/>
         <p:cNvGrpSpPr/>
         <p:nvPr/>
       </p:nvGrpSpPr>
@@ -2608,7 +2608,7 @@
       </p:grpSpPr>
       <p:sp>
         <p:nvSpPr>
-          <p:cNvPr id="116" name="Google Shape;116;g6fdda14cb5_0_104:notes"/>
+          <p:cNvPr id="118" name="Google Shape;118;g6fdda14cb5_0_104:notes"/>
           <p:cNvSpPr/>
           <p:nvPr>
             <p:ph idx="2" type="sldImg"/>
@@ -2643,7 +2643,7 @@
       </p:sp>
       <p:sp>
         <p:nvSpPr>
-          <p:cNvPr id="117" name="Google Shape;117;g6fdda14cb5_0_104:notes"/>
+          <p:cNvPr id="119" name="Google Shape;119;g6fdda14cb5_0_104:notes"/>
           <p:cNvSpPr txBox="1"/>
           <p:nvPr>
             <p:ph idx="1" type="body"/>
@@ -2693,7 +2693,7 @@
   <p:cSld>
     <p:spTree>
       <p:nvGrpSpPr>
-        <p:cNvPr id="128" name="Shape 128"/>
+        <p:cNvPr id="130" name="Shape 130"/>
         <p:cNvGrpSpPr/>
         <p:nvPr/>
       </p:nvGrpSpPr>
@@ -2707,7 +2707,7 @@
       </p:grpSpPr>
       <p:sp>
         <p:nvSpPr>
-          <p:cNvPr id="129" name="Google Shape;129;g6fdda14cb5_0_120:notes"/>
+          <p:cNvPr id="131" name="Google Shape;131;g6fdda14cb5_0_120:notes"/>
           <p:cNvSpPr/>
           <p:nvPr>
             <p:ph idx="2" type="sldImg"/>
@@ -2742,7 +2742,7 @@
       </p:sp>
       <p:sp>
         <p:nvSpPr>
-          <p:cNvPr id="130" name="Google Shape;130;g6fdda14cb5_0_120:notes"/>
+          <p:cNvPr id="132" name="Google Shape;132;g6fdda14cb5_0_120:notes"/>
           <p:cNvSpPr txBox="1"/>
           <p:nvPr>
             <p:ph idx="1" type="body"/>
@@ -2792,7 +2792,7 @@
   <p:cSld>
     <p:spTree>
       <p:nvGrpSpPr>
-        <p:cNvPr id="141" name="Shape 141"/>
+        <p:cNvPr id="143" name="Shape 143"/>
         <p:cNvGrpSpPr/>
         <p:nvPr/>
       </p:nvGrpSpPr>
@@ -2806,7 +2806,7 @@
       </p:grpSpPr>
       <p:sp>
         <p:nvSpPr>
-          <p:cNvPr id="142" name="Google Shape;142;g6fdda14cb5_0_134:notes"/>
+          <p:cNvPr id="144" name="Google Shape;144;g6fdda14cb5_0_134:notes"/>
           <p:cNvSpPr/>
           <p:nvPr>
             <p:ph idx="2" type="sldImg"/>
@@ -2841,7 +2841,7 @@
       </p:sp>
       <p:sp>
         <p:nvSpPr>
-          <p:cNvPr id="143" name="Google Shape;143;g6fdda14cb5_0_134:notes"/>
+          <p:cNvPr id="145" name="Google Shape;145;g6fdda14cb5_0_134:notes"/>
           <p:cNvSpPr txBox="1"/>
           <p:nvPr>
             <p:ph idx="1" type="body"/>
@@ -2891,7 +2891,7 @@
   <p:cSld>
     <p:spTree>
       <p:nvGrpSpPr>
-        <p:cNvPr id="158" name="Shape 158"/>
+        <p:cNvPr id="160" name="Shape 160"/>
         <p:cNvGrpSpPr/>
         <p:nvPr/>
       </p:nvGrpSpPr>
@@ -2905,7 +2905,7 @@
       </p:grpSpPr>
       <p:sp>
         <p:nvSpPr>
-          <p:cNvPr id="159" name="Google Shape;159;g6fdda14cb5_0_150:notes"/>
+          <p:cNvPr id="161" name="Google Shape;161;g6fdda14cb5_0_150:notes"/>
           <p:cNvSpPr/>
           <p:nvPr>
             <p:ph idx="2" type="sldImg"/>
@@ -2940,7 +2940,7 @@
       </p:sp>
       <p:sp>
         <p:nvSpPr>
-          <p:cNvPr id="160" name="Google Shape;160;g6fdda14cb5_0_150:notes"/>
+          <p:cNvPr id="162" name="Google Shape;162;g6fdda14cb5_0_150:notes"/>
           <p:cNvSpPr txBox="1"/>
           <p:nvPr>
             <p:ph idx="1" type="body"/>
@@ -8018,7 +8018,7 @@
   <p:cSld>
     <p:spTree>
       <p:nvGrpSpPr>
-        <p:cNvPr id="175" name="Shape 175"/>
+        <p:cNvPr id="177" name="Shape 177"/>
         <p:cNvGrpSpPr/>
         <p:nvPr/>
       </p:nvGrpSpPr>
@@ -8032,7 +8032,7 @@
       </p:grpSpPr>
       <p:grpSp>
         <p:nvGrpSpPr>
-          <p:cNvPr id="176" name="Google Shape;176;p22"/>
+          <p:cNvPr id="178" name="Google Shape;178;p22"/>
           <p:cNvGrpSpPr/>
           <p:nvPr/>
         </p:nvGrpSpPr>
@@ -8046,7 +8046,7 @@
         </p:grpSpPr>
         <p:sp>
           <p:nvSpPr>
-            <p:cNvPr id="177" name="Google Shape;177;p22"/>
+            <p:cNvPr id="179" name="Google Shape;179;p22"/>
             <p:cNvSpPr/>
             <p:nvPr/>
           </p:nvSpPr>
@@ -8097,7 +8097,7 @@
         </p:sp>
         <p:sp>
           <p:nvSpPr>
-            <p:cNvPr id="178" name="Google Shape;178;p22"/>
+            <p:cNvPr id="180" name="Google Shape;180;p22"/>
             <p:cNvSpPr/>
             <p:nvPr/>
           </p:nvSpPr>
@@ -8149,7 +8149,7 @@
       </p:grpSp>
       <p:grpSp>
         <p:nvGrpSpPr>
-          <p:cNvPr id="179" name="Google Shape;179;p22"/>
+          <p:cNvPr id="181" name="Google Shape;181;p22"/>
           <p:cNvGrpSpPr/>
           <p:nvPr/>
         </p:nvGrpSpPr>
@@ -8163,7 +8163,7 @@
         </p:grpSpPr>
         <p:sp>
           <p:nvSpPr>
-            <p:cNvPr id="180" name="Google Shape;180;p22"/>
+            <p:cNvPr id="182" name="Google Shape;182;p22"/>
             <p:cNvSpPr/>
             <p:nvPr/>
           </p:nvSpPr>
@@ -8214,7 +8214,7 @@
         </p:sp>
         <p:sp>
           <p:nvSpPr>
-            <p:cNvPr id="181" name="Google Shape;181;p22"/>
+            <p:cNvPr id="183" name="Google Shape;183;p22"/>
             <p:cNvSpPr/>
             <p:nvPr/>
           </p:nvSpPr>
@@ -8266,7 +8266,7 @@
       </p:grpSp>
       <p:sp>
         <p:nvSpPr>
-          <p:cNvPr id="182" name="Google Shape;182;p22"/>
+          <p:cNvPr id="184" name="Google Shape;184;p22"/>
           <p:cNvSpPr txBox="1"/>
           <p:nvPr>
             <p:ph idx="4294967295" type="title"/>
@@ -8306,7 +8306,7 @@
       </p:sp>
       <p:sp>
         <p:nvSpPr>
-          <p:cNvPr id="183" name="Google Shape;183;p22"/>
+          <p:cNvPr id="185" name="Google Shape;185;p22"/>
           <p:cNvSpPr txBox="1"/>
           <p:nvPr>
             <p:ph idx="4294967295" type="body"/>
@@ -8448,7 +8448,7 @@
       </p:sp>
       <p:pic>
         <p:nvPicPr>
-          <p:cNvPr id="184" name="Google Shape;184;p22"/>
+          <p:cNvPr id="186" name="Google Shape;186;p22"/>
           <p:cNvPicPr preferRelativeResize="0"/>
           <p:nvPr/>
         </p:nvPicPr>
@@ -8487,7 +8487,7 @@
   <p:cSld>
     <p:spTree>
       <p:nvGrpSpPr>
-        <p:cNvPr id="188" name="Shape 188"/>
+        <p:cNvPr id="190" name="Shape 190"/>
         <p:cNvGrpSpPr/>
         <p:nvPr/>
       </p:nvGrpSpPr>
@@ -8501,7 +8501,7 @@
       </p:grpSpPr>
       <p:grpSp>
         <p:nvGrpSpPr>
-          <p:cNvPr id="189" name="Google Shape;189;p23"/>
+          <p:cNvPr id="191" name="Google Shape;191;p23"/>
           <p:cNvGrpSpPr/>
           <p:nvPr/>
         </p:nvGrpSpPr>
@@ -8515,7 +8515,7 @@
         </p:grpSpPr>
         <p:sp>
           <p:nvSpPr>
-            <p:cNvPr id="190" name="Google Shape;190;p23"/>
+            <p:cNvPr id="192" name="Google Shape;192;p23"/>
             <p:cNvSpPr/>
             <p:nvPr/>
           </p:nvSpPr>
@@ -8566,7 +8566,7 @@
         </p:sp>
         <p:sp>
           <p:nvSpPr>
-            <p:cNvPr id="191" name="Google Shape;191;p23"/>
+            <p:cNvPr id="193" name="Google Shape;193;p23"/>
             <p:cNvSpPr/>
             <p:nvPr/>
           </p:nvSpPr>
@@ -8618,7 +8618,7 @@
       </p:grpSp>
       <p:grpSp>
         <p:nvGrpSpPr>
-          <p:cNvPr id="192" name="Google Shape;192;p23"/>
+          <p:cNvPr id="194" name="Google Shape;194;p23"/>
           <p:cNvGrpSpPr/>
           <p:nvPr/>
         </p:nvGrpSpPr>
@@ -8632,7 +8632,7 @@
         </p:grpSpPr>
         <p:sp>
           <p:nvSpPr>
-            <p:cNvPr id="193" name="Google Shape;193;p23"/>
+            <p:cNvPr id="195" name="Google Shape;195;p23"/>
             <p:cNvSpPr/>
             <p:nvPr/>
           </p:nvSpPr>
@@ -8683,7 +8683,7 @@
         </p:sp>
         <p:sp>
           <p:nvSpPr>
-            <p:cNvPr id="194" name="Google Shape;194;p23"/>
+            <p:cNvPr id="196" name="Google Shape;196;p23"/>
             <p:cNvSpPr/>
             <p:nvPr/>
           </p:nvSpPr>
@@ -8735,7 +8735,7 @@
       </p:grpSp>
       <p:sp>
         <p:nvSpPr>
-          <p:cNvPr id="195" name="Google Shape;195;p23"/>
+          <p:cNvPr id="197" name="Google Shape;197;p23"/>
           <p:cNvSpPr txBox="1"/>
           <p:nvPr>
             <p:ph idx="4294967295" type="title"/>
@@ -8775,7 +8775,7 @@
       </p:sp>
       <p:sp>
         <p:nvSpPr>
-          <p:cNvPr id="196" name="Google Shape;196;p23"/>
+          <p:cNvPr id="198" name="Google Shape;198;p23"/>
           <p:cNvSpPr txBox="1"/>
           <p:nvPr>
             <p:ph idx="4294967295" type="body"/>
@@ -8921,7 +8921,7 @@
       </p:sp>
       <p:pic>
         <p:nvPicPr>
-          <p:cNvPr id="197" name="Google Shape;197;p23"/>
+          <p:cNvPr id="199" name="Google Shape;199;p23"/>
           <p:cNvPicPr preferRelativeResize="0"/>
           <p:nvPr/>
         </p:nvPicPr>
@@ -8960,7 +8960,7 @@
   <p:cSld>
     <p:spTree>
       <p:nvGrpSpPr>
-        <p:cNvPr id="201" name="Shape 201"/>
+        <p:cNvPr id="203" name="Shape 203"/>
         <p:cNvGrpSpPr/>
         <p:nvPr/>
       </p:nvGrpSpPr>
@@ -8974,7 +8974,7 @@
       </p:grpSpPr>
       <p:grpSp>
         <p:nvGrpSpPr>
-          <p:cNvPr id="202" name="Google Shape;202;p24"/>
+          <p:cNvPr id="204" name="Google Shape;204;p24"/>
           <p:cNvGrpSpPr/>
           <p:nvPr/>
         </p:nvGrpSpPr>
@@ -8988,7 +8988,7 @@
         </p:grpSpPr>
         <p:sp>
           <p:nvSpPr>
-            <p:cNvPr id="203" name="Google Shape;203;p24"/>
+            <p:cNvPr id="205" name="Google Shape;205;p24"/>
             <p:cNvSpPr/>
             <p:nvPr/>
           </p:nvSpPr>
@@ -9039,7 +9039,7 @@
         </p:sp>
         <p:sp>
           <p:nvSpPr>
-            <p:cNvPr id="204" name="Google Shape;204;p24"/>
+            <p:cNvPr id="206" name="Google Shape;206;p24"/>
             <p:cNvSpPr/>
             <p:nvPr/>
           </p:nvSpPr>
@@ -9091,7 +9091,7 @@
       </p:grpSp>
       <p:grpSp>
         <p:nvGrpSpPr>
-          <p:cNvPr id="205" name="Google Shape;205;p24"/>
+          <p:cNvPr id="207" name="Google Shape;207;p24"/>
           <p:cNvGrpSpPr/>
           <p:nvPr/>
         </p:nvGrpSpPr>
@@ -9105,7 +9105,7 @@
         </p:grpSpPr>
         <p:sp>
           <p:nvSpPr>
-            <p:cNvPr id="206" name="Google Shape;206;p24"/>
+            <p:cNvPr id="208" name="Google Shape;208;p24"/>
             <p:cNvSpPr/>
             <p:nvPr/>
           </p:nvSpPr>
@@ -9156,7 +9156,7 @@
         </p:sp>
         <p:sp>
           <p:nvSpPr>
-            <p:cNvPr id="207" name="Google Shape;207;p24"/>
+            <p:cNvPr id="209" name="Google Shape;209;p24"/>
             <p:cNvSpPr/>
             <p:nvPr/>
           </p:nvSpPr>
@@ -9208,7 +9208,7 @@
       </p:grpSp>
       <p:sp>
         <p:nvSpPr>
-          <p:cNvPr id="208" name="Google Shape;208;p24"/>
+          <p:cNvPr id="210" name="Google Shape;210;p24"/>
           <p:cNvSpPr txBox="1"/>
           <p:nvPr>
             <p:ph idx="4294967295" type="title"/>
@@ -9248,7 +9248,7 @@
       </p:sp>
       <p:sp>
         <p:nvSpPr>
-          <p:cNvPr id="209" name="Google Shape;209;p24"/>
+          <p:cNvPr id="211" name="Google Shape;211;p24"/>
           <p:cNvSpPr txBox="1"/>
           <p:nvPr>
             <p:ph idx="4294967295" type="body"/>
@@ -9415,7 +9415,7 @@
       </p:sp>
       <p:pic>
         <p:nvPicPr>
-          <p:cNvPr id="210" name="Google Shape;210;p24"/>
+          <p:cNvPr id="212" name="Google Shape;212;p24"/>
           <p:cNvPicPr preferRelativeResize="0"/>
           <p:nvPr/>
         </p:nvPicPr>
@@ -9443,7 +9443,7 @@
       </p:pic>
       <p:grpSp>
         <p:nvGrpSpPr>
-          <p:cNvPr id="211" name="Google Shape;211;p24"/>
+          <p:cNvPr id="213" name="Google Shape;213;p24"/>
           <p:cNvGrpSpPr/>
           <p:nvPr/>
         </p:nvGrpSpPr>
@@ -9457,7 +9457,7 @@
         </p:grpSpPr>
         <p:pic>
           <p:nvPicPr>
-            <p:cNvPr id="212" name="Google Shape;212;p24"/>
+            <p:cNvPr id="214" name="Google Shape;214;p24"/>
             <p:cNvPicPr preferRelativeResize="0"/>
             <p:nvPr/>
           </p:nvPicPr>
@@ -9485,7 +9485,7 @@
         </p:pic>
         <p:pic>
           <p:nvPicPr>
-            <p:cNvPr id="213" name="Google Shape;213;p24"/>
+            <p:cNvPr id="215" name="Google Shape;215;p24"/>
             <p:cNvPicPr preferRelativeResize="0"/>
             <p:nvPr/>
           </p:nvPicPr>
@@ -9525,7 +9525,7 @@
   <p:cSld>
     <p:spTree>
       <p:nvGrpSpPr>
-        <p:cNvPr id="217" name="Shape 217"/>
+        <p:cNvPr id="219" name="Shape 219"/>
         <p:cNvGrpSpPr/>
         <p:nvPr/>
       </p:nvGrpSpPr>
@@ -9539,7 +9539,7 @@
       </p:grpSpPr>
       <p:grpSp>
         <p:nvGrpSpPr>
-          <p:cNvPr id="218" name="Google Shape;218;p25"/>
+          <p:cNvPr id="220" name="Google Shape;220;p25"/>
           <p:cNvGrpSpPr/>
           <p:nvPr/>
         </p:nvGrpSpPr>
@@ -9553,7 +9553,7 @@
         </p:grpSpPr>
         <p:sp>
           <p:nvSpPr>
-            <p:cNvPr id="219" name="Google Shape;219;p25"/>
+            <p:cNvPr id="221" name="Google Shape;221;p25"/>
             <p:cNvSpPr/>
             <p:nvPr/>
           </p:nvSpPr>
@@ -9604,7 +9604,7 @@
         </p:sp>
         <p:sp>
           <p:nvSpPr>
-            <p:cNvPr id="220" name="Google Shape;220;p25"/>
+            <p:cNvPr id="222" name="Google Shape;222;p25"/>
             <p:cNvSpPr/>
             <p:nvPr/>
           </p:nvSpPr>
@@ -9656,7 +9656,7 @@
       </p:grpSp>
       <p:grpSp>
         <p:nvGrpSpPr>
-          <p:cNvPr id="221" name="Google Shape;221;p25"/>
+          <p:cNvPr id="223" name="Google Shape;223;p25"/>
           <p:cNvGrpSpPr/>
           <p:nvPr/>
         </p:nvGrpSpPr>
@@ -9670,7 +9670,7 @@
         </p:grpSpPr>
         <p:sp>
           <p:nvSpPr>
-            <p:cNvPr id="222" name="Google Shape;222;p25"/>
+            <p:cNvPr id="224" name="Google Shape;224;p25"/>
             <p:cNvSpPr/>
             <p:nvPr/>
           </p:nvSpPr>
@@ -9721,7 +9721,7 @@
         </p:sp>
         <p:sp>
           <p:nvSpPr>
-            <p:cNvPr id="223" name="Google Shape;223;p25"/>
+            <p:cNvPr id="225" name="Google Shape;225;p25"/>
             <p:cNvSpPr/>
             <p:nvPr/>
           </p:nvSpPr>
@@ -9773,7 +9773,7 @@
       </p:grpSp>
       <p:sp>
         <p:nvSpPr>
-          <p:cNvPr id="224" name="Google Shape;224;p25"/>
+          <p:cNvPr id="226" name="Google Shape;226;p25"/>
           <p:cNvSpPr txBox="1"/>
           <p:nvPr>
             <p:ph idx="4294967295" type="title"/>
@@ -9813,7 +9813,7 @@
       </p:sp>
       <p:sp>
         <p:nvSpPr>
-          <p:cNvPr id="225" name="Google Shape;225;p25"/>
+          <p:cNvPr id="227" name="Google Shape;227;p25"/>
           <p:cNvSpPr txBox="1"/>
           <p:nvPr>
             <p:ph idx="4294967295" type="body"/>
@@ -9987,7 +9987,7 @@
       </p:sp>
       <p:pic>
         <p:nvPicPr>
-          <p:cNvPr id="226" name="Google Shape;226;p25"/>
+          <p:cNvPr id="228" name="Google Shape;228;p25"/>
           <p:cNvPicPr preferRelativeResize="0"/>
           <p:nvPr/>
         </p:nvPicPr>
@@ -10026,7 +10026,7 @@
   <p:cSld>
     <p:spTree>
       <p:nvGrpSpPr>
-        <p:cNvPr id="230" name="Shape 230"/>
+        <p:cNvPr id="232" name="Shape 232"/>
         <p:cNvGrpSpPr/>
         <p:nvPr/>
       </p:nvGrpSpPr>
@@ -10040,7 +10040,7 @@
       </p:grpSpPr>
       <p:grpSp>
         <p:nvGrpSpPr>
-          <p:cNvPr id="231" name="Google Shape;231;p26"/>
+          <p:cNvPr id="233" name="Google Shape;233;p26"/>
           <p:cNvGrpSpPr/>
           <p:nvPr/>
         </p:nvGrpSpPr>
@@ -10054,7 +10054,7 @@
         </p:grpSpPr>
         <p:sp>
           <p:nvSpPr>
-            <p:cNvPr id="232" name="Google Shape;232;p26"/>
+            <p:cNvPr id="234" name="Google Shape;234;p26"/>
             <p:cNvSpPr/>
             <p:nvPr/>
           </p:nvSpPr>
@@ -10105,7 +10105,7 @@
         </p:sp>
         <p:sp>
           <p:nvSpPr>
-            <p:cNvPr id="233" name="Google Shape;233;p26"/>
+            <p:cNvPr id="235" name="Google Shape;235;p26"/>
             <p:cNvSpPr/>
             <p:nvPr/>
           </p:nvSpPr>
@@ -10157,7 +10157,7 @@
       </p:grpSp>
       <p:grpSp>
         <p:nvGrpSpPr>
-          <p:cNvPr id="234" name="Google Shape;234;p26"/>
+          <p:cNvPr id="236" name="Google Shape;236;p26"/>
           <p:cNvGrpSpPr/>
           <p:nvPr/>
         </p:nvGrpSpPr>
@@ -10171,7 +10171,7 @@
         </p:grpSpPr>
         <p:sp>
           <p:nvSpPr>
-            <p:cNvPr id="235" name="Google Shape;235;p26"/>
+            <p:cNvPr id="237" name="Google Shape;237;p26"/>
             <p:cNvSpPr/>
             <p:nvPr/>
           </p:nvSpPr>
@@ -10222,7 +10222,7 @@
         </p:sp>
         <p:sp>
           <p:nvSpPr>
-            <p:cNvPr id="236" name="Google Shape;236;p26"/>
+            <p:cNvPr id="238" name="Google Shape;238;p26"/>
             <p:cNvSpPr/>
             <p:nvPr/>
           </p:nvSpPr>
@@ -10274,7 +10274,7 @@
       </p:grpSp>
       <p:sp>
         <p:nvSpPr>
-          <p:cNvPr id="237" name="Google Shape;237;p26"/>
+          <p:cNvPr id="239" name="Google Shape;239;p26"/>
           <p:cNvSpPr txBox="1"/>
           <p:nvPr>
             <p:ph idx="4294967295" type="title"/>
@@ -10314,7 +10314,7 @@
       </p:sp>
       <p:sp>
         <p:nvSpPr>
-          <p:cNvPr id="238" name="Google Shape;238;p26"/>
+          <p:cNvPr id="240" name="Google Shape;240;p26"/>
           <p:cNvSpPr txBox="1"/>
           <p:nvPr>
             <p:ph idx="4294967295" type="body"/>
@@ -10437,7 +10437,7 @@
       </p:sp>
       <p:pic>
         <p:nvPicPr>
-          <p:cNvPr id="239" name="Google Shape;239;p26"/>
+          <p:cNvPr id="241" name="Google Shape;241;p26"/>
           <p:cNvPicPr preferRelativeResize="0"/>
           <p:nvPr/>
         </p:nvPicPr>
@@ -10476,7 +10476,7 @@
   <p:cSld>
     <p:spTree>
       <p:nvGrpSpPr>
-        <p:cNvPr id="243" name="Shape 243"/>
+        <p:cNvPr id="245" name="Shape 245"/>
         <p:cNvGrpSpPr/>
         <p:nvPr/>
       </p:nvGrpSpPr>
@@ -10490,7 +10490,7 @@
       </p:grpSpPr>
       <p:grpSp>
         <p:nvGrpSpPr>
-          <p:cNvPr id="244" name="Google Shape;244;p27"/>
+          <p:cNvPr id="246" name="Google Shape;246;p27"/>
           <p:cNvGrpSpPr/>
           <p:nvPr/>
         </p:nvGrpSpPr>
@@ -10504,7 +10504,7 @@
         </p:grpSpPr>
         <p:sp>
           <p:nvSpPr>
-            <p:cNvPr id="245" name="Google Shape;245;p27"/>
+            <p:cNvPr id="247" name="Google Shape;247;p27"/>
             <p:cNvSpPr/>
             <p:nvPr/>
           </p:nvSpPr>
@@ -10555,7 +10555,7 @@
         </p:sp>
         <p:sp>
           <p:nvSpPr>
-            <p:cNvPr id="246" name="Google Shape;246;p27"/>
+            <p:cNvPr id="248" name="Google Shape;248;p27"/>
             <p:cNvSpPr/>
             <p:nvPr/>
           </p:nvSpPr>
@@ -10607,7 +10607,7 @@
       </p:grpSp>
       <p:grpSp>
         <p:nvGrpSpPr>
-          <p:cNvPr id="247" name="Google Shape;247;p27"/>
+          <p:cNvPr id="249" name="Google Shape;249;p27"/>
           <p:cNvGrpSpPr/>
           <p:nvPr/>
         </p:nvGrpSpPr>
@@ -10621,7 +10621,7 @@
         </p:grpSpPr>
         <p:sp>
           <p:nvSpPr>
-            <p:cNvPr id="248" name="Google Shape;248;p27"/>
+            <p:cNvPr id="250" name="Google Shape;250;p27"/>
             <p:cNvSpPr/>
             <p:nvPr/>
           </p:nvSpPr>
@@ -10672,7 +10672,7 @@
         </p:sp>
         <p:sp>
           <p:nvSpPr>
-            <p:cNvPr id="249" name="Google Shape;249;p27"/>
+            <p:cNvPr id="251" name="Google Shape;251;p27"/>
             <p:cNvSpPr/>
             <p:nvPr/>
           </p:nvSpPr>
@@ -10724,7 +10724,7 @@
       </p:grpSp>
       <p:sp>
         <p:nvSpPr>
-          <p:cNvPr id="250" name="Google Shape;250;p27"/>
+          <p:cNvPr id="252" name="Google Shape;252;p27"/>
           <p:cNvSpPr txBox="1"/>
           <p:nvPr>
             <p:ph idx="4294967295" type="title"/>
@@ -10764,7 +10764,7 @@
       </p:sp>
       <p:sp>
         <p:nvSpPr>
-          <p:cNvPr id="251" name="Google Shape;251;p27"/>
+          <p:cNvPr id="253" name="Google Shape;253;p27"/>
           <p:cNvSpPr txBox="1"/>
           <p:nvPr>
             <p:ph idx="4294967295" type="body"/>
@@ -10890,7 +10890,7 @@
       </p:sp>
       <p:pic>
         <p:nvPicPr>
-          <p:cNvPr id="252" name="Google Shape;252;p27"/>
+          <p:cNvPr id="254" name="Google Shape;254;p27"/>
           <p:cNvPicPr preferRelativeResize="0"/>
           <p:nvPr/>
         </p:nvPicPr>
@@ -10929,7 +10929,7 @@
   <p:cSld>
     <p:spTree>
       <p:nvGrpSpPr>
-        <p:cNvPr id="256" name="Shape 256"/>
+        <p:cNvPr id="258" name="Shape 258"/>
         <p:cNvGrpSpPr/>
         <p:nvPr/>
       </p:nvGrpSpPr>
@@ -10943,7 +10943,7 @@
       </p:grpSpPr>
       <p:grpSp>
         <p:nvGrpSpPr>
-          <p:cNvPr id="257" name="Google Shape;257;p28"/>
+          <p:cNvPr id="259" name="Google Shape;259;p28"/>
           <p:cNvGrpSpPr/>
           <p:nvPr/>
         </p:nvGrpSpPr>
@@ -10957,7 +10957,7 @@
         </p:grpSpPr>
         <p:sp>
           <p:nvSpPr>
-            <p:cNvPr id="258" name="Google Shape;258;p28"/>
+            <p:cNvPr id="260" name="Google Shape;260;p28"/>
             <p:cNvSpPr/>
             <p:nvPr/>
           </p:nvSpPr>
@@ -11008,7 +11008,7 @@
         </p:sp>
         <p:sp>
           <p:nvSpPr>
-            <p:cNvPr id="259" name="Google Shape;259;p28"/>
+            <p:cNvPr id="261" name="Google Shape;261;p28"/>
             <p:cNvSpPr/>
             <p:nvPr/>
           </p:nvSpPr>
@@ -11060,7 +11060,7 @@
       </p:grpSp>
       <p:grpSp>
         <p:nvGrpSpPr>
-          <p:cNvPr id="260" name="Google Shape;260;p28"/>
+          <p:cNvPr id="262" name="Google Shape;262;p28"/>
           <p:cNvGrpSpPr/>
           <p:nvPr/>
         </p:nvGrpSpPr>
@@ -11074,7 +11074,7 @@
         </p:grpSpPr>
         <p:sp>
           <p:nvSpPr>
-            <p:cNvPr id="261" name="Google Shape;261;p28"/>
+            <p:cNvPr id="263" name="Google Shape;263;p28"/>
             <p:cNvSpPr/>
             <p:nvPr/>
           </p:nvSpPr>
@@ -11125,7 +11125,7 @@
         </p:sp>
         <p:sp>
           <p:nvSpPr>
-            <p:cNvPr id="262" name="Google Shape;262;p28"/>
+            <p:cNvPr id="264" name="Google Shape;264;p28"/>
             <p:cNvSpPr/>
             <p:nvPr/>
           </p:nvSpPr>
@@ -11177,7 +11177,7 @@
       </p:grpSp>
       <p:sp>
         <p:nvSpPr>
-          <p:cNvPr id="263" name="Google Shape;263;p28"/>
+          <p:cNvPr id="265" name="Google Shape;265;p28"/>
           <p:cNvSpPr txBox="1"/>
           <p:nvPr>
             <p:ph idx="4294967295" type="title"/>
@@ -11217,7 +11217,7 @@
       </p:sp>
       <p:sp>
         <p:nvSpPr>
-          <p:cNvPr id="264" name="Google Shape;264;p28"/>
+          <p:cNvPr id="266" name="Google Shape;266;p28"/>
           <p:cNvSpPr txBox="1"/>
           <p:nvPr>
             <p:ph idx="4294967295" type="body"/>
@@ -11327,7 +11327,7 @@
       </p:sp>
       <p:pic>
         <p:nvPicPr>
-          <p:cNvPr id="265" name="Google Shape;265;p28"/>
+          <p:cNvPr id="267" name="Google Shape;267;p28"/>
           <p:cNvPicPr preferRelativeResize="0"/>
           <p:nvPr/>
         </p:nvPicPr>
@@ -11366,7 +11366,7 @@
   <p:cSld>
     <p:spTree>
       <p:nvGrpSpPr>
-        <p:cNvPr id="269" name="Shape 269"/>
+        <p:cNvPr id="271" name="Shape 271"/>
         <p:cNvGrpSpPr/>
         <p:nvPr/>
       </p:nvGrpSpPr>
@@ -11380,7 +11380,7 @@
       </p:grpSpPr>
       <p:grpSp>
         <p:nvGrpSpPr>
-          <p:cNvPr id="270" name="Google Shape;270;p29"/>
+          <p:cNvPr id="272" name="Google Shape;272;p29"/>
           <p:cNvGrpSpPr/>
           <p:nvPr/>
         </p:nvGrpSpPr>
@@ -11394,7 +11394,7 @@
         </p:grpSpPr>
         <p:sp>
           <p:nvSpPr>
-            <p:cNvPr id="271" name="Google Shape;271;p29"/>
+            <p:cNvPr id="273" name="Google Shape;273;p29"/>
             <p:cNvSpPr/>
             <p:nvPr/>
           </p:nvSpPr>
@@ -11445,7 +11445,7 @@
         </p:sp>
         <p:sp>
           <p:nvSpPr>
-            <p:cNvPr id="272" name="Google Shape;272;p29"/>
+            <p:cNvPr id="274" name="Google Shape;274;p29"/>
             <p:cNvSpPr/>
             <p:nvPr/>
           </p:nvSpPr>
@@ -11497,7 +11497,7 @@
       </p:grpSp>
       <p:grpSp>
         <p:nvGrpSpPr>
-          <p:cNvPr id="273" name="Google Shape;273;p29"/>
+          <p:cNvPr id="275" name="Google Shape;275;p29"/>
           <p:cNvGrpSpPr/>
           <p:nvPr/>
         </p:nvGrpSpPr>
@@ -11511,7 +11511,7 @@
         </p:grpSpPr>
         <p:sp>
           <p:nvSpPr>
-            <p:cNvPr id="274" name="Google Shape;274;p29"/>
+            <p:cNvPr id="276" name="Google Shape;276;p29"/>
             <p:cNvSpPr/>
             <p:nvPr/>
           </p:nvSpPr>
@@ -11562,7 +11562,7 @@
         </p:sp>
         <p:sp>
           <p:nvSpPr>
-            <p:cNvPr id="275" name="Google Shape;275;p29"/>
+            <p:cNvPr id="277" name="Google Shape;277;p29"/>
             <p:cNvSpPr/>
             <p:nvPr/>
           </p:nvSpPr>
@@ -11614,7 +11614,7 @@
       </p:grpSp>
       <p:sp>
         <p:nvSpPr>
-          <p:cNvPr id="276" name="Google Shape;276;p29"/>
+          <p:cNvPr id="278" name="Google Shape;278;p29"/>
           <p:cNvSpPr txBox="1"/>
           <p:nvPr>
             <p:ph idx="4294967295" type="title"/>
@@ -11654,7 +11654,7 @@
       </p:sp>
       <p:sp>
         <p:nvSpPr>
-          <p:cNvPr id="277" name="Google Shape;277;p29"/>
+          <p:cNvPr id="279" name="Google Shape;279;p29"/>
           <p:cNvSpPr txBox="1"/>
           <p:nvPr>
             <p:ph idx="4294967295" type="body"/>
@@ -11764,7 +11764,7 @@
       </p:sp>
       <p:pic>
         <p:nvPicPr>
-          <p:cNvPr id="278" name="Google Shape;278;p29"/>
+          <p:cNvPr id="280" name="Google Shape;280;p29"/>
           <p:cNvPicPr preferRelativeResize="0"/>
           <p:nvPr/>
         </p:nvPicPr>
@@ -11803,7 +11803,7 @@
   <p:cSld>
     <p:spTree>
       <p:nvGrpSpPr>
-        <p:cNvPr id="282" name="Shape 282"/>
+        <p:cNvPr id="284" name="Shape 284"/>
         <p:cNvGrpSpPr/>
         <p:nvPr/>
       </p:nvGrpSpPr>
@@ -11817,7 +11817,7 @@
       </p:grpSpPr>
       <p:grpSp>
         <p:nvGrpSpPr>
-          <p:cNvPr id="283" name="Google Shape;283;p30"/>
+          <p:cNvPr id="285" name="Google Shape;285;p30"/>
           <p:cNvGrpSpPr/>
           <p:nvPr/>
         </p:nvGrpSpPr>
@@ -11831,7 +11831,7 @@
         </p:grpSpPr>
         <p:sp>
           <p:nvSpPr>
-            <p:cNvPr id="284" name="Google Shape;284;p30"/>
+            <p:cNvPr id="286" name="Google Shape;286;p30"/>
             <p:cNvSpPr/>
             <p:nvPr/>
           </p:nvSpPr>
@@ -11882,7 +11882,7 @@
         </p:sp>
         <p:sp>
           <p:nvSpPr>
-            <p:cNvPr id="285" name="Google Shape;285;p30"/>
+            <p:cNvPr id="287" name="Google Shape;287;p30"/>
             <p:cNvSpPr/>
             <p:nvPr/>
           </p:nvSpPr>
@@ -11934,7 +11934,7 @@
       </p:grpSp>
       <p:grpSp>
         <p:nvGrpSpPr>
-          <p:cNvPr id="286" name="Google Shape;286;p30"/>
+          <p:cNvPr id="288" name="Google Shape;288;p30"/>
           <p:cNvGrpSpPr/>
           <p:nvPr/>
         </p:nvGrpSpPr>
@@ -11948,7 +11948,7 @@
         </p:grpSpPr>
         <p:sp>
           <p:nvSpPr>
-            <p:cNvPr id="287" name="Google Shape;287;p30"/>
+            <p:cNvPr id="289" name="Google Shape;289;p30"/>
             <p:cNvSpPr/>
             <p:nvPr/>
           </p:nvSpPr>
@@ -11999,7 +11999,7 @@
         </p:sp>
         <p:sp>
           <p:nvSpPr>
-            <p:cNvPr id="288" name="Google Shape;288;p30"/>
+            <p:cNvPr id="290" name="Google Shape;290;p30"/>
             <p:cNvSpPr/>
             <p:nvPr/>
           </p:nvSpPr>
@@ -12051,7 +12051,7 @@
       </p:grpSp>
       <p:sp>
         <p:nvSpPr>
-          <p:cNvPr id="289" name="Google Shape;289;p30"/>
+          <p:cNvPr id="291" name="Google Shape;291;p30"/>
           <p:cNvSpPr txBox="1"/>
           <p:nvPr>
             <p:ph idx="4294967295" type="title"/>
@@ -12091,7 +12091,7 @@
       </p:sp>
       <p:sp>
         <p:nvSpPr>
-          <p:cNvPr id="290" name="Google Shape;290;p30"/>
+          <p:cNvPr id="292" name="Google Shape;292;p30"/>
           <p:cNvSpPr txBox="1"/>
           <p:nvPr>
             <p:ph idx="4294967295" type="body"/>
@@ -12233,7 +12233,7 @@
       </p:sp>
       <p:pic>
         <p:nvPicPr>
-          <p:cNvPr id="291" name="Google Shape;291;p30"/>
+          <p:cNvPr id="293" name="Google Shape;293;p30"/>
           <p:cNvPicPr preferRelativeResize="0"/>
           <p:nvPr/>
         </p:nvPicPr>
@@ -12272,7 +12272,7 @@
   <p:cSld>
     <p:spTree>
       <p:nvGrpSpPr>
-        <p:cNvPr id="295" name="Shape 295"/>
+        <p:cNvPr id="297" name="Shape 297"/>
         <p:cNvGrpSpPr/>
         <p:nvPr/>
       </p:nvGrpSpPr>
@@ -12286,7 +12286,7 @@
       </p:grpSpPr>
       <p:grpSp>
         <p:nvGrpSpPr>
-          <p:cNvPr id="296" name="Google Shape;296;p31"/>
+          <p:cNvPr id="298" name="Google Shape;298;p31"/>
           <p:cNvGrpSpPr/>
           <p:nvPr/>
         </p:nvGrpSpPr>
@@ -12300,7 +12300,7 @@
         </p:grpSpPr>
         <p:sp>
           <p:nvSpPr>
-            <p:cNvPr id="297" name="Google Shape;297;p31"/>
+            <p:cNvPr id="299" name="Google Shape;299;p31"/>
             <p:cNvSpPr/>
             <p:nvPr/>
           </p:nvSpPr>
@@ -12351,7 +12351,7 @@
         </p:sp>
         <p:sp>
           <p:nvSpPr>
-            <p:cNvPr id="298" name="Google Shape;298;p31"/>
+            <p:cNvPr id="300" name="Google Shape;300;p31"/>
             <p:cNvSpPr/>
             <p:nvPr/>
           </p:nvSpPr>
@@ -12403,7 +12403,7 @@
       </p:grpSp>
       <p:grpSp>
         <p:nvGrpSpPr>
-          <p:cNvPr id="299" name="Google Shape;299;p31"/>
+          <p:cNvPr id="301" name="Google Shape;301;p31"/>
           <p:cNvGrpSpPr/>
           <p:nvPr/>
         </p:nvGrpSpPr>
@@ -12417,7 +12417,7 @@
         </p:grpSpPr>
         <p:sp>
           <p:nvSpPr>
-            <p:cNvPr id="300" name="Google Shape;300;p31"/>
+            <p:cNvPr id="302" name="Google Shape;302;p31"/>
             <p:cNvSpPr/>
             <p:nvPr/>
           </p:nvSpPr>
@@ -12468,7 +12468,7 @@
         </p:sp>
         <p:sp>
           <p:nvSpPr>
-            <p:cNvPr id="301" name="Google Shape;301;p31"/>
+            <p:cNvPr id="303" name="Google Shape;303;p31"/>
             <p:cNvSpPr/>
             <p:nvPr/>
           </p:nvSpPr>
@@ -12520,7 +12520,7 @@
       </p:grpSp>
       <p:sp>
         <p:nvSpPr>
-          <p:cNvPr id="302" name="Google Shape;302;p31"/>
+          <p:cNvPr id="304" name="Google Shape;304;p31"/>
           <p:cNvSpPr txBox="1"/>
           <p:nvPr>
             <p:ph idx="4294967295" type="title"/>
@@ -12560,7 +12560,7 @@
       </p:sp>
       <p:sp>
         <p:nvSpPr>
-          <p:cNvPr id="303" name="Google Shape;303;p31"/>
+          <p:cNvPr id="305" name="Google Shape;305;p31"/>
           <p:cNvSpPr txBox="1"/>
           <p:nvPr>
             <p:ph idx="4294967295" type="body"/>
@@ -12694,7 +12694,7 @@
       </p:sp>
       <p:pic>
         <p:nvPicPr>
-          <p:cNvPr id="304" name="Google Shape;304;p31"/>
+          <p:cNvPr id="306" name="Google Shape;306;p31"/>
           <p:cNvPicPr preferRelativeResize="0"/>
           <p:nvPr/>
         </p:nvPicPr>
@@ -13132,7 +13132,7 @@
   <p:cSld>
     <p:spTree>
       <p:nvGrpSpPr>
-        <p:cNvPr id="308" name="Shape 308"/>
+        <p:cNvPr id="310" name="Shape 310"/>
         <p:cNvGrpSpPr/>
         <p:nvPr/>
       </p:nvGrpSpPr>
@@ -13146,7 +13146,7 @@
       </p:grpSpPr>
       <p:grpSp>
         <p:nvGrpSpPr>
-          <p:cNvPr id="309" name="Google Shape;309;p32"/>
+          <p:cNvPr id="311" name="Google Shape;311;p32"/>
           <p:cNvGrpSpPr/>
           <p:nvPr/>
         </p:nvGrpSpPr>
@@ -13160,7 +13160,7 @@
         </p:grpSpPr>
         <p:sp>
           <p:nvSpPr>
-            <p:cNvPr id="310" name="Google Shape;310;p32"/>
+            <p:cNvPr id="312" name="Google Shape;312;p32"/>
             <p:cNvSpPr/>
             <p:nvPr/>
           </p:nvSpPr>
@@ -13211,7 +13211,7 @@
         </p:sp>
         <p:sp>
           <p:nvSpPr>
-            <p:cNvPr id="311" name="Google Shape;311;p32"/>
+            <p:cNvPr id="313" name="Google Shape;313;p32"/>
             <p:cNvSpPr/>
             <p:nvPr/>
           </p:nvSpPr>
@@ -13263,7 +13263,7 @@
       </p:grpSp>
       <p:grpSp>
         <p:nvGrpSpPr>
-          <p:cNvPr id="312" name="Google Shape;312;p32"/>
+          <p:cNvPr id="314" name="Google Shape;314;p32"/>
           <p:cNvGrpSpPr/>
           <p:nvPr/>
         </p:nvGrpSpPr>
@@ -13277,7 +13277,7 @@
         </p:grpSpPr>
         <p:sp>
           <p:nvSpPr>
-            <p:cNvPr id="313" name="Google Shape;313;p32"/>
+            <p:cNvPr id="315" name="Google Shape;315;p32"/>
             <p:cNvSpPr/>
             <p:nvPr/>
           </p:nvSpPr>
@@ -13328,7 +13328,7 @@
         </p:sp>
         <p:sp>
           <p:nvSpPr>
-            <p:cNvPr id="314" name="Google Shape;314;p32"/>
+            <p:cNvPr id="316" name="Google Shape;316;p32"/>
             <p:cNvSpPr/>
             <p:nvPr/>
           </p:nvSpPr>
@@ -13380,7 +13380,7 @@
       </p:grpSp>
       <p:sp>
         <p:nvSpPr>
-          <p:cNvPr id="315" name="Google Shape;315;p32"/>
+          <p:cNvPr id="317" name="Google Shape;317;p32"/>
           <p:cNvSpPr txBox="1"/>
           <p:nvPr>
             <p:ph idx="4294967295" type="title"/>
@@ -13420,7 +13420,7 @@
       </p:sp>
       <p:sp>
         <p:nvSpPr>
-          <p:cNvPr id="316" name="Google Shape;316;p32"/>
+          <p:cNvPr id="318" name="Google Shape;318;p32"/>
           <p:cNvSpPr txBox="1"/>
           <p:nvPr>
             <p:ph idx="4294967295" type="body"/>
@@ -13555,7 +13555,7 @@
       </p:sp>
       <p:grpSp>
         <p:nvGrpSpPr>
-          <p:cNvPr id="317" name="Google Shape;317;p32"/>
+          <p:cNvPr id="319" name="Google Shape;319;p32"/>
           <p:cNvGrpSpPr/>
           <p:nvPr/>
         </p:nvGrpSpPr>
@@ -13569,7 +13569,7 @@
         </p:grpSpPr>
         <p:pic>
           <p:nvPicPr>
-            <p:cNvPr id="318" name="Google Shape;318;p32"/>
+            <p:cNvPr id="320" name="Google Shape;320;p32"/>
             <p:cNvPicPr preferRelativeResize="0"/>
             <p:nvPr/>
           </p:nvPicPr>
@@ -13597,7 +13597,7 @@
         </p:pic>
         <p:pic>
           <p:nvPicPr>
-            <p:cNvPr id="319" name="Google Shape;319;p32"/>
+            <p:cNvPr id="321" name="Google Shape;321;p32"/>
             <p:cNvPicPr preferRelativeResize="0"/>
             <p:nvPr/>
           </p:nvPicPr>
@@ -13625,7 +13625,7 @@
         </p:pic>
         <p:pic>
           <p:nvPicPr>
-            <p:cNvPr id="320" name="Google Shape;320;p32"/>
+            <p:cNvPr id="322" name="Google Shape;322;p32"/>
             <p:cNvPicPr preferRelativeResize="0"/>
             <p:nvPr/>
           </p:nvPicPr>
@@ -13665,7 +13665,7 @@
   <p:cSld>
     <p:spTree>
       <p:nvGrpSpPr>
-        <p:cNvPr id="324" name="Shape 324"/>
+        <p:cNvPr id="326" name="Shape 326"/>
         <p:cNvGrpSpPr/>
         <p:nvPr/>
       </p:nvGrpSpPr>
@@ -13679,7 +13679,7 @@
       </p:grpSpPr>
       <p:grpSp>
         <p:nvGrpSpPr>
-          <p:cNvPr id="325" name="Google Shape;325;p33"/>
+          <p:cNvPr id="327" name="Google Shape;327;p33"/>
           <p:cNvGrpSpPr/>
           <p:nvPr/>
         </p:nvGrpSpPr>
@@ -13693,7 +13693,7 @@
         </p:grpSpPr>
         <p:sp>
           <p:nvSpPr>
-            <p:cNvPr id="326" name="Google Shape;326;p33"/>
+            <p:cNvPr id="328" name="Google Shape;328;p33"/>
             <p:cNvSpPr/>
             <p:nvPr/>
           </p:nvSpPr>
@@ -13744,7 +13744,7 @@
         </p:sp>
         <p:sp>
           <p:nvSpPr>
-            <p:cNvPr id="327" name="Google Shape;327;p33"/>
+            <p:cNvPr id="329" name="Google Shape;329;p33"/>
             <p:cNvSpPr/>
             <p:nvPr/>
           </p:nvSpPr>
@@ -13796,7 +13796,7 @@
       </p:grpSp>
       <p:sp>
         <p:nvSpPr>
-          <p:cNvPr id="328" name="Google Shape;328;p33"/>
+          <p:cNvPr id="330" name="Google Shape;330;p33"/>
           <p:cNvSpPr txBox="1"/>
           <p:nvPr>
             <p:ph idx="4294967295" type="title"/>
@@ -13836,7 +13836,7 @@
       </p:sp>
       <p:sp>
         <p:nvSpPr>
-          <p:cNvPr id="329" name="Google Shape;329;p33"/>
+          <p:cNvPr id="331" name="Google Shape;331;p33"/>
           <p:cNvSpPr txBox="1"/>
           <p:nvPr>
             <p:ph idx="4294967295" type="body"/>
@@ -13920,7 +13920,7 @@
       </p:sp>
       <p:pic>
         <p:nvPicPr>
-          <p:cNvPr id="330" name="Google Shape;330;p33"/>
+          <p:cNvPr id="332" name="Google Shape;332;p33"/>
           <p:cNvPicPr preferRelativeResize="0"/>
           <p:nvPr/>
         </p:nvPicPr>
@@ -13959,7 +13959,7 @@
   <p:cSld>
     <p:spTree>
       <p:nvGrpSpPr>
-        <p:cNvPr id="334" name="Shape 334"/>
+        <p:cNvPr id="336" name="Shape 336"/>
         <p:cNvGrpSpPr/>
         <p:nvPr/>
       </p:nvGrpSpPr>
@@ -13973,7 +13973,7 @@
       </p:grpSpPr>
       <p:grpSp>
         <p:nvGrpSpPr>
-          <p:cNvPr id="335" name="Google Shape;335;p34"/>
+          <p:cNvPr id="337" name="Google Shape;337;p34"/>
           <p:cNvGrpSpPr/>
           <p:nvPr/>
         </p:nvGrpSpPr>
@@ -13987,7 +13987,7 @@
         </p:grpSpPr>
         <p:sp>
           <p:nvSpPr>
-            <p:cNvPr id="336" name="Google Shape;336;p34"/>
+            <p:cNvPr id="338" name="Google Shape;338;p34"/>
             <p:cNvSpPr/>
             <p:nvPr/>
           </p:nvSpPr>
@@ -14038,7 +14038,7 @@
         </p:sp>
         <p:sp>
           <p:nvSpPr>
-            <p:cNvPr id="337" name="Google Shape;337;p34"/>
+            <p:cNvPr id="339" name="Google Shape;339;p34"/>
             <p:cNvSpPr/>
             <p:nvPr/>
           </p:nvSpPr>
@@ -14090,7 +14090,7 @@
       </p:grpSp>
       <p:sp>
         <p:nvSpPr>
-          <p:cNvPr id="338" name="Google Shape;338;p34"/>
+          <p:cNvPr id="340" name="Google Shape;340;p34"/>
           <p:cNvSpPr txBox="1"/>
           <p:nvPr>
             <p:ph idx="4294967295" type="body"/>
@@ -14174,7 +14174,7 @@
       </p:sp>
       <p:pic>
         <p:nvPicPr>
-          <p:cNvPr id="339" name="Google Shape;339;p34"/>
+          <p:cNvPr id="341" name="Google Shape;341;p34"/>
           <p:cNvPicPr preferRelativeResize="0"/>
           <p:nvPr/>
         </p:nvPicPr>
@@ -14213,7 +14213,7 @@
   <p:cSld>
     <p:spTree>
       <p:nvGrpSpPr>
-        <p:cNvPr id="343" name="Shape 343"/>
+        <p:cNvPr id="345" name="Shape 345"/>
         <p:cNvGrpSpPr/>
         <p:nvPr/>
       </p:nvGrpSpPr>
@@ -14227,7 +14227,7 @@
       </p:grpSpPr>
       <p:grpSp>
         <p:nvGrpSpPr>
-          <p:cNvPr id="344" name="Google Shape;344;p35"/>
+          <p:cNvPr id="346" name="Google Shape;346;p35"/>
           <p:cNvGrpSpPr/>
           <p:nvPr/>
         </p:nvGrpSpPr>
@@ -14241,7 +14241,7 @@
         </p:grpSpPr>
         <p:sp>
           <p:nvSpPr>
-            <p:cNvPr id="345" name="Google Shape;345;p35"/>
+            <p:cNvPr id="347" name="Google Shape;347;p35"/>
             <p:cNvSpPr/>
             <p:nvPr/>
           </p:nvSpPr>
@@ -14292,7 +14292,7 @@
         </p:sp>
         <p:sp>
           <p:nvSpPr>
-            <p:cNvPr id="346" name="Google Shape;346;p35"/>
+            <p:cNvPr id="348" name="Google Shape;348;p35"/>
             <p:cNvSpPr/>
             <p:nvPr/>
           </p:nvSpPr>
@@ -14344,7 +14344,7 @@
       </p:grpSp>
       <p:grpSp>
         <p:nvGrpSpPr>
-          <p:cNvPr id="347" name="Google Shape;347;p35"/>
+          <p:cNvPr id="349" name="Google Shape;349;p35"/>
           <p:cNvGrpSpPr/>
           <p:nvPr/>
         </p:nvGrpSpPr>
@@ -14358,7 +14358,7 @@
         </p:grpSpPr>
         <p:sp>
           <p:nvSpPr>
-            <p:cNvPr id="348" name="Google Shape;348;p35"/>
+            <p:cNvPr id="350" name="Google Shape;350;p35"/>
             <p:cNvSpPr/>
             <p:nvPr/>
           </p:nvSpPr>
@@ -14409,7 +14409,7 @@
         </p:sp>
         <p:sp>
           <p:nvSpPr>
-            <p:cNvPr id="349" name="Google Shape;349;p35"/>
+            <p:cNvPr id="351" name="Google Shape;351;p35"/>
             <p:cNvSpPr/>
             <p:nvPr/>
           </p:nvSpPr>
@@ -14461,7 +14461,7 @@
       </p:grpSp>
       <p:sp>
         <p:nvSpPr>
-          <p:cNvPr id="350" name="Google Shape;350;p35"/>
+          <p:cNvPr id="352" name="Google Shape;352;p35"/>
           <p:cNvSpPr txBox="1"/>
           <p:nvPr>
             <p:ph idx="4294967295" type="title"/>
@@ -14501,7 +14501,7 @@
       </p:sp>
       <p:sp>
         <p:nvSpPr>
-          <p:cNvPr id="351" name="Google Shape;351;p35"/>
+          <p:cNvPr id="353" name="Google Shape;353;p35"/>
           <p:cNvSpPr txBox="1"/>
           <p:nvPr>
             <p:ph idx="4294967295" type="body"/>
@@ -16004,24 +16004,6 @@
             <a:endParaRPr sz="1200"/>
           </a:p>
           <a:p>
-            <a:pPr indent="0" lvl="0" marL="0" rtl="0" algn="l">
-              <a:lnSpc>
-                <a:spcPct val="100000"/>
-              </a:lnSpc>
-              <a:spcBef>
-                <a:spcPts val="1600"/>
-              </a:spcBef>
-              <a:spcAft>
-                <a:spcPts val="0"/>
-              </a:spcAft>
-              <a:buNone/>
-            </a:pPr>
-            <a:r>
-              <a:t/>
-            </a:r>
-            <a:endParaRPr sz="1200"/>
-          </a:p>
-          <a:p>
             <a:pPr indent="-304800" lvl="1" marL="914400" rtl="0" algn="l">
               <a:spcBef>
                 <a:spcPts val="0"/>
@@ -16056,6 +16038,78 @@
             <a:endParaRPr sz="1200"/>
           </a:p>
           <a:p>
+            <a:pPr indent="-304800" lvl="1" marL="914400" rtl="0" algn="l">
+              <a:spcBef>
+                <a:spcPts val="0"/>
+              </a:spcBef>
+              <a:spcAft>
+                <a:spcPts val="0"/>
+              </a:spcAft>
+              <a:buSzPts val="1200"/>
+              <a:buChar char="○"/>
+            </a:pPr>
+            <a:r>
+              <a:rPr lang="es" sz="1200"/>
+              <a:t>A</a:t>
+            </a:r>
+            <a:r>
+              <a:rPr lang="es" sz="1200"/>
+              <a:t>xios: Cliente HTTP basado en promesas.</a:t>
+            </a:r>
+            <a:endParaRPr sz="1200"/>
+          </a:p>
+          <a:p>
+            <a:pPr indent="-304800" lvl="1" marL="914400" rtl="0" algn="l">
+              <a:spcBef>
+                <a:spcPts val="0"/>
+              </a:spcBef>
+              <a:spcAft>
+                <a:spcPts val="0"/>
+              </a:spcAft>
+              <a:buSzPts val="1200"/>
+              <a:buChar char="○"/>
+            </a:pPr>
+            <a:r>
+              <a:rPr lang="es" sz="1200"/>
+              <a:t>Body-parser: Manejar la solicitud de HTTP.</a:t>
+            </a:r>
+            <a:endParaRPr sz="1200"/>
+          </a:p>
+          <a:p>
+            <a:pPr indent="-304800" lvl="1" marL="914400" rtl="0" algn="l">
+              <a:spcBef>
+                <a:spcPts val="0"/>
+              </a:spcBef>
+              <a:spcAft>
+                <a:spcPts val="0"/>
+              </a:spcAft>
+              <a:buSzPts val="1200"/>
+              <a:buChar char="○"/>
+            </a:pPr>
+            <a:r>
+              <a:rPr lang="es" sz="1200"/>
+              <a:t>Node-fetch: Interfaz para realizar peticiones.</a:t>
+            </a:r>
+            <a:endParaRPr sz="1200"/>
+          </a:p>
+          <a:p>
+            <a:pPr indent="-304800" lvl="1" marL="914400" rtl="0" algn="l">
+              <a:spcBef>
+                <a:spcPts val="0"/>
+              </a:spcBef>
+              <a:spcAft>
+                <a:spcPts val="0"/>
+              </a:spcAft>
+              <a:buSzPts val="1200"/>
+              <a:buChar char="○"/>
+            </a:pPr>
+            <a:r>
+              <a:rPr lang="es" sz="1200"/>
+              <a:t>Nodemon: Ejecutar la aplicación.</a:t>
+            </a:r>
+            <a:endParaRPr sz="1200"/>
+          </a:p>
+          <a:p>
             <a:pPr indent="0" lvl="0" marL="0" rtl="0" algn="l">
               <a:spcBef>
                 <a:spcPts val="1600"/>
@@ -16087,77 +16141,146 @@
           </a:p>
         </p:txBody>
       </p:sp>
-      <p:grpSp>
-        <p:nvGrpSpPr>
+      <p:pic>
+        <p:nvPicPr>
           <p:cNvPr id="112" name="Google Shape;112;p17"/>
-          <p:cNvGrpSpPr/>
+          <p:cNvPicPr preferRelativeResize="0"/>
           <p:nvPr/>
-        </p:nvGrpSpPr>
-        <p:grpSpPr>
+        </p:nvPicPr>
+        <p:blipFill>
+          <a:blip r:embed="rId3">
+            <a:alphaModFix/>
+          </a:blip>
+          <a:stretch>
+            <a:fillRect/>
+          </a:stretch>
+        </p:blipFill>
+        <p:spPr>
           <a:xfrm>
-            <a:off x="2013475" y="3795300"/>
-            <a:ext cx="4971525" cy="1230550"/>
-            <a:chOff x="393600" y="3795300"/>
-            <a:chExt cx="4971525" cy="1230550"/>
-          </a:xfrm>
-        </p:grpSpPr>
-        <p:pic>
-          <p:nvPicPr>
-            <p:cNvPr id="113" name="Google Shape;113;p17"/>
-            <p:cNvPicPr preferRelativeResize="0"/>
-            <p:nvPr/>
-          </p:nvPicPr>
-          <p:blipFill>
-            <a:blip r:embed="rId3">
-              <a:alphaModFix/>
-            </a:blip>
-            <a:stretch>
-              <a:fillRect/>
-            </a:stretch>
-          </p:blipFill>
-          <p:spPr>
-            <a:xfrm>
-              <a:off x="393600" y="3795300"/>
-              <a:ext cx="1968900" cy="1230550"/>
-            </a:xfrm>
-            <a:prstGeom prst="rect">
-              <a:avLst/>
-            </a:prstGeom>
+            <a:off x="335153" y="3851361"/>
+            <a:ext cx="1577680" cy="942970"/>
+          </a:xfrm>
+          <a:prstGeom prst="rect">
+            <a:avLst/>
+          </a:prstGeom>
+          <a:noFill/>
+          <a:ln>
             <a:noFill/>
-            <a:ln>
-              <a:noFill/>
-            </a:ln>
-          </p:spPr>
-        </p:pic>
-        <p:pic>
-          <p:nvPicPr>
-            <p:cNvPr id="114" name="Google Shape;114;p17"/>
-            <p:cNvPicPr preferRelativeResize="0"/>
-            <p:nvPr/>
-          </p:nvPicPr>
-          <p:blipFill>
-            <a:blip r:embed="rId4">
-              <a:alphaModFix/>
-            </a:blip>
-            <a:stretch>
-              <a:fillRect/>
-            </a:stretch>
-          </p:blipFill>
-          <p:spPr>
-            <a:xfrm>
-              <a:off x="3274425" y="3867600"/>
-              <a:ext cx="2090700" cy="1085950"/>
-            </a:xfrm>
-            <a:prstGeom prst="rect">
-              <a:avLst/>
-            </a:prstGeom>
+          </a:ln>
+        </p:spPr>
+      </p:pic>
+      <p:pic>
+        <p:nvPicPr>
+          <p:cNvPr id="113" name="Google Shape;113;p17"/>
+          <p:cNvPicPr preferRelativeResize="0"/>
+          <p:nvPr/>
+        </p:nvPicPr>
+        <p:blipFill>
+          <a:blip r:embed="rId4">
+            <a:alphaModFix/>
+          </a:blip>
+          <a:stretch>
+            <a:fillRect/>
+          </a:stretch>
+        </p:blipFill>
+        <p:spPr>
+          <a:xfrm>
+            <a:off x="2014183" y="3906752"/>
+            <a:ext cx="1675278" cy="832163"/>
+          </a:xfrm>
+          <a:prstGeom prst="rect">
+            <a:avLst/>
+          </a:prstGeom>
+          <a:noFill/>
+          <a:ln>
             <a:noFill/>
-            <a:ln>
-              <a:noFill/>
-            </a:ln>
-          </p:spPr>
-        </p:pic>
-      </p:grpSp>
+          </a:ln>
+        </p:spPr>
+      </p:pic>
+      <p:pic>
+        <p:nvPicPr>
+          <p:cNvPr id="114" name="Google Shape;114;p17"/>
+          <p:cNvPicPr preferRelativeResize="0"/>
+          <p:nvPr/>
+        </p:nvPicPr>
+        <p:blipFill>
+          <a:blip r:embed="rId5">
+            <a:alphaModFix/>
+          </a:blip>
+          <a:stretch>
+            <a:fillRect/>
+          </a:stretch>
+        </p:blipFill>
+        <p:spPr>
+          <a:xfrm>
+            <a:off x="3774450" y="4194238"/>
+            <a:ext cx="988675" cy="257200"/>
+          </a:xfrm>
+          <a:prstGeom prst="rect">
+            <a:avLst/>
+          </a:prstGeom>
+          <a:noFill/>
+          <a:ln>
+            <a:noFill/>
+          </a:ln>
+        </p:spPr>
+      </p:pic>
+      <p:pic>
+        <p:nvPicPr>
+          <p:cNvPr id="115" name="Google Shape;115;p17"/>
+          <p:cNvPicPr preferRelativeResize="0"/>
+          <p:nvPr/>
+        </p:nvPicPr>
+        <p:blipFill>
+          <a:blip r:embed="rId6">
+            <a:alphaModFix/>
+          </a:blip>
+          <a:stretch>
+            <a:fillRect/>
+          </a:stretch>
+        </p:blipFill>
+        <p:spPr>
+          <a:xfrm>
+            <a:off x="6595113" y="4104524"/>
+            <a:ext cx="2028738" cy="436625"/>
+          </a:xfrm>
+          <a:prstGeom prst="rect">
+            <a:avLst/>
+          </a:prstGeom>
+          <a:noFill/>
+          <a:ln>
+            <a:noFill/>
+          </a:ln>
+        </p:spPr>
+      </p:pic>
+      <p:pic>
+        <p:nvPicPr>
+          <p:cNvPr id="116" name="Google Shape;116;p17"/>
+          <p:cNvPicPr preferRelativeResize="0"/>
+          <p:nvPr/>
+        </p:nvPicPr>
+        <p:blipFill>
+          <a:blip r:embed="rId7">
+            <a:alphaModFix/>
+          </a:blip>
+          <a:stretch>
+            <a:fillRect/>
+          </a:stretch>
+        </p:blipFill>
+        <p:spPr>
+          <a:xfrm>
+            <a:off x="4848125" y="3903250"/>
+            <a:ext cx="1678349" cy="839174"/>
+          </a:xfrm>
+          <a:prstGeom prst="rect">
+            <a:avLst/>
+          </a:prstGeom>
+          <a:noFill/>
+          <a:ln>
+            <a:noFill/>
+          </a:ln>
+        </p:spPr>
+      </p:pic>
     </p:spTree>
   </p:cSld>
   <p:clrMapOvr>
@@ -16171,7 +16294,7 @@
   <p:cSld>
     <p:spTree>
       <p:nvGrpSpPr>
-        <p:cNvPr id="118" name="Shape 118"/>
+        <p:cNvPr id="120" name="Shape 120"/>
         <p:cNvGrpSpPr/>
         <p:nvPr/>
       </p:nvGrpSpPr>
@@ -16185,7 +16308,7 @@
       </p:grpSpPr>
       <p:grpSp>
         <p:nvGrpSpPr>
-          <p:cNvPr id="119" name="Google Shape;119;p18"/>
+          <p:cNvPr id="121" name="Google Shape;121;p18"/>
           <p:cNvGrpSpPr/>
           <p:nvPr/>
         </p:nvGrpSpPr>
@@ -16199,7 +16322,7 @@
         </p:grpSpPr>
         <p:sp>
           <p:nvSpPr>
-            <p:cNvPr id="120" name="Google Shape;120;p18"/>
+            <p:cNvPr id="122" name="Google Shape;122;p18"/>
             <p:cNvSpPr/>
             <p:nvPr/>
           </p:nvSpPr>
@@ -16250,7 +16373,7 @@
         </p:sp>
         <p:sp>
           <p:nvSpPr>
-            <p:cNvPr id="121" name="Google Shape;121;p18"/>
+            <p:cNvPr id="123" name="Google Shape;123;p18"/>
             <p:cNvSpPr/>
             <p:nvPr/>
           </p:nvSpPr>
@@ -16302,7 +16425,7 @@
       </p:grpSp>
       <p:grpSp>
         <p:nvGrpSpPr>
-          <p:cNvPr id="122" name="Google Shape;122;p18"/>
+          <p:cNvPr id="124" name="Google Shape;124;p18"/>
           <p:cNvGrpSpPr/>
           <p:nvPr/>
         </p:nvGrpSpPr>
@@ -16316,7 +16439,7 @@
         </p:grpSpPr>
         <p:sp>
           <p:nvSpPr>
-            <p:cNvPr id="123" name="Google Shape;123;p18"/>
+            <p:cNvPr id="125" name="Google Shape;125;p18"/>
             <p:cNvSpPr/>
             <p:nvPr/>
           </p:nvSpPr>
@@ -16367,7 +16490,7 @@
         </p:sp>
         <p:sp>
           <p:nvSpPr>
-            <p:cNvPr id="124" name="Google Shape;124;p18"/>
+            <p:cNvPr id="126" name="Google Shape;126;p18"/>
             <p:cNvSpPr/>
             <p:nvPr/>
           </p:nvSpPr>
@@ -16419,7 +16542,7 @@
       </p:grpSp>
       <p:sp>
         <p:nvSpPr>
-          <p:cNvPr id="125" name="Google Shape;125;p18"/>
+          <p:cNvPr id="127" name="Google Shape;127;p18"/>
           <p:cNvSpPr txBox="1"/>
           <p:nvPr>
             <p:ph idx="4294967295" type="title"/>
@@ -16459,7 +16582,7 @@
       </p:sp>
       <p:sp>
         <p:nvSpPr>
-          <p:cNvPr id="126" name="Google Shape;126;p18"/>
+          <p:cNvPr id="128" name="Google Shape;128;p18"/>
           <p:cNvSpPr txBox="1"/>
           <p:nvPr>
             <p:ph idx="4294967295" type="body"/>
@@ -16605,7 +16728,7 @@
       </p:sp>
       <p:pic>
         <p:nvPicPr>
-          <p:cNvPr id="127" name="Google Shape;127;p18"/>
+          <p:cNvPr id="129" name="Google Shape;129;p18"/>
           <p:cNvPicPr preferRelativeResize="0"/>
           <p:nvPr/>
         </p:nvPicPr>
@@ -16644,7 +16767,7 @@
   <p:cSld>
     <p:spTree>
       <p:nvGrpSpPr>
-        <p:cNvPr id="131" name="Shape 131"/>
+        <p:cNvPr id="133" name="Shape 133"/>
         <p:cNvGrpSpPr/>
         <p:nvPr/>
       </p:nvGrpSpPr>
@@ -16658,7 +16781,7 @@
       </p:grpSpPr>
       <p:grpSp>
         <p:nvGrpSpPr>
-          <p:cNvPr id="132" name="Google Shape;132;p19"/>
+          <p:cNvPr id="134" name="Google Shape;134;p19"/>
           <p:cNvGrpSpPr/>
           <p:nvPr/>
         </p:nvGrpSpPr>
@@ -16672,7 +16795,7 @@
         </p:grpSpPr>
         <p:sp>
           <p:nvSpPr>
-            <p:cNvPr id="133" name="Google Shape;133;p19"/>
+            <p:cNvPr id="135" name="Google Shape;135;p19"/>
             <p:cNvSpPr/>
             <p:nvPr/>
           </p:nvSpPr>
@@ -16723,7 +16846,7 @@
         </p:sp>
         <p:sp>
           <p:nvSpPr>
-            <p:cNvPr id="134" name="Google Shape;134;p19"/>
+            <p:cNvPr id="136" name="Google Shape;136;p19"/>
             <p:cNvSpPr/>
             <p:nvPr/>
           </p:nvSpPr>
@@ -16775,7 +16898,7 @@
       </p:grpSp>
       <p:grpSp>
         <p:nvGrpSpPr>
-          <p:cNvPr id="135" name="Google Shape;135;p19"/>
+          <p:cNvPr id="137" name="Google Shape;137;p19"/>
           <p:cNvGrpSpPr/>
           <p:nvPr/>
         </p:nvGrpSpPr>
@@ -16789,7 +16912,7 @@
         </p:grpSpPr>
         <p:sp>
           <p:nvSpPr>
-            <p:cNvPr id="136" name="Google Shape;136;p19"/>
+            <p:cNvPr id="138" name="Google Shape;138;p19"/>
             <p:cNvSpPr/>
             <p:nvPr/>
           </p:nvSpPr>
@@ -16840,7 +16963,7 @@
         </p:sp>
         <p:sp>
           <p:nvSpPr>
-            <p:cNvPr id="137" name="Google Shape;137;p19"/>
+            <p:cNvPr id="139" name="Google Shape;139;p19"/>
             <p:cNvSpPr/>
             <p:nvPr/>
           </p:nvSpPr>
@@ -16892,7 +17015,7 @@
       </p:grpSp>
       <p:sp>
         <p:nvSpPr>
-          <p:cNvPr id="138" name="Google Shape;138;p19"/>
+          <p:cNvPr id="140" name="Google Shape;140;p19"/>
           <p:cNvSpPr txBox="1"/>
           <p:nvPr>
             <p:ph idx="4294967295" type="title"/>
@@ -16932,7 +17055,7 @@
       </p:sp>
       <p:sp>
         <p:nvSpPr>
-          <p:cNvPr id="139" name="Google Shape;139;p19"/>
+          <p:cNvPr id="141" name="Google Shape;141;p19"/>
           <p:cNvSpPr txBox="1"/>
           <p:nvPr>
             <p:ph idx="4294967295" type="body"/>
@@ -17051,7 +17174,7 @@
       </p:sp>
       <p:pic>
         <p:nvPicPr>
-          <p:cNvPr id="140" name="Google Shape;140;p19"/>
+          <p:cNvPr id="142" name="Google Shape;142;p19"/>
           <p:cNvPicPr preferRelativeResize="0"/>
           <p:nvPr/>
         </p:nvPicPr>
@@ -17090,7 +17213,7 @@
   <p:cSld>
     <p:spTree>
       <p:nvGrpSpPr>
-        <p:cNvPr id="144" name="Shape 144"/>
+        <p:cNvPr id="146" name="Shape 146"/>
         <p:cNvGrpSpPr/>
         <p:nvPr/>
       </p:nvGrpSpPr>
@@ -17104,7 +17227,7 @@
       </p:grpSpPr>
       <p:grpSp>
         <p:nvGrpSpPr>
-          <p:cNvPr id="145" name="Google Shape;145;p20"/>
+          <p:cNvPr id="147" name="Google Shape;147;p20"/>
           <p:cNvGrpSpPr/>
           <p:nvPr/>
         </p:nvGrpSpPr>
@@ -17118,7 +17241,7 @@
         </p:grpSpPr>
         <p:sp>
           <p:nvSpPr>
-            <p:cNvPr id="146" name="Google Shape;146;p20"/>
+            <p:cNvPr id="148" name="Google Shape;148;p20"/>
             <p:cNvSpPr/>
             <p:nvPr/>
           </p:nvSpPr>
@@ -17169,7 +17292,7 @@
         </p:sp>
         <p:sp>
           <p:nvSpPr>
-            <p:cNvPr id="147" name="Google Shape;147;p20"/>
+            <p:cNvPr id="149" name="Google Shape;149;p20"/>
             <p:cNvSpPr/>
             <p:nvPr/>
           </p:nvSpPr>
@@ -17221,7 +17344,7 @@
       </p:grpSp>
       <p:grpSp>
         <p:nvGrpSpPr>
-          <p:cNvPr id="148" name="Google Shape;148;p20"/>
+          <p:cNvPr id="150" name="Google Shape;150;p20"/>
           <p:cNvGrpSpPr/>
           <p:nvPr/>
         </p:nvGrpSpPr>
@@ -17235,7 +17358,7 @@
         </p:grpSpPr>
         <p:sp>
           <p:nvSpPr>
-            <p:cNvPr id="149" name="Google Shape;149;p20"/>
+            <p:cNvPr id="151" name="Google Shape;151;p20"/>
             <p:cNvSpPr/>
             <p:nvPr/>
           </p:nvSpPr>
@@ -17286,7 +17409,7 @@
         </p:sp>
         <p:sp>
           <p:nvSpPr>
-            <p:cNvPr id="150" name="Google Shape;150;p20"/>
+            <p:cNvPr id="152" name="Google Shape;152;p20"/>
             <p:cNvSpPr/>
             <p:nvPr/>
           </p:nvSpPr>
@@ -17338,7 +17461,7 @@
       </p:grpSp>
       <p:sp>
         <p:nvSpPr>
-          <p:cNvPr id="151" name="Google Shape;151;p20"/>
+          <p:cNvPr id="153" name="Google Shape;153;p20"/>
           <p:cNvSpPr txBox="1"/>
           <p:nvPr>
             <p:ph idx="4294967295" type="title"/>
@@ -17378,7 +17501,7 @@
       </p:sp>
       <p:sp>
         <p:nvSpPr>
-          <p:cNvPr id="152" name="Google Shape;152;p20"/>
+          <p:cNvPr id="154" name="Google Shape;154;p20"/>
           <p:cNvSpPr txBox="1"/>
           <p:nvPr>
             <p:ph idx="4294967295" type="body"/>
@@ -17573,7 +17696,7 @@
       </p:sp>
       <p:pic>
         <p:nvPicPr>
-          <p:cNvPr id="153" name="Google Shape;153;p20"/>
+          <p:cNvPr id="155" name="Google Shape;155;p20"/>
           <p:cNvPicPr preferRelativeResize="0"/>
           <p:nvPr/>
         </p:nvPicPr>
@@ -17601,7 +17724,7 @@
       </p:pic>
       <p:grpSp>
         <p:nvGrpSpPr>
-          <p:cNvPr id="154" name="Google Shape;154;p20"/>
+          <p:cNvPr id="156" name="Google Shape;156;p20"/>
           <p:cNvGrpSpPr/>
           <p:nvPr/>
         </p:nvGrpSpPr>
@@ -17615,7 +17738,7 @@
         </p:grpSpPr>
         <p:pic>
           <p:nvPicPr>
-            <p:cNvPr id="155" name="Google Shape;155;p20"/>
+            <p:cNvPr id="157" name="Google Shape;157;p20"/>
             <p:cNvPicPr preferRelativeResize="0"/>
             <p:nvPr/>
           </p:nvPicPr>
@@ -17643,7 +17766,7 @@
         </p:pic>
         <p:pic>
           <p:nvPicPr>
-            <p:cNvPr id="156" name="Google Shape;156;p20"/>
+            <p:cNvPr id="158" name="Google Shape;158;p20"/>
             <p:cNvPicPr preferRelativeResize="0"/>
             <p:nvPr/>
           </p:nvPicPr>
@@ -17671,7 +17794,7 @@
         </p:pic>
         <p:pic>
           <p:nvPicPr>
-            <p:cNvPr id="157" name="Google Shape;157;p20"/>
+            <p:cNvPr id="159" name="Google Shape;159;p20"/>
             <p:cNvPicPr preferRelativeResize="0"/>
             <p:nvPr/>
           </p:nvPicPr>
@@ -17711,7 +17834,7 @@
   <p:cSld>
     <p:spTree>
       <p:nvGrpSpPr>
-        <p:cNvPr id="161" name="Shape 161"/>
+        <p:cNvPr id="163" name="Shape 163"/>
         <p:cNvGrpSpPr/>
         <p:nvPr/>
       </p:nvGrpSpPr>
@@ -17725,7 +17848,7 @@
       </p:grpSpPr>
       <p:grpSp>
         <p:nvGrpSpPr>
-          <p:cNvPr id="162" name="Google Shape;162;p21"/>
+          <p:cNvPr id="164" name="Google Shape;164;p21"/>
           <p:cNvGrpSpPr/>
           <p:nvPr/>
         </p:nvGrpSpPr>
@@ -17739,7 +17862,7 @@
         </p:grpSpPr>
         <p:sp>
           <p:nvSpPr>
-            <p:cNvPr id="163" name="Google Shape;163;p21"/>
+            <p:cNvPr id="165" name="Google Shape;165;p21"/>
             <p:cNvSpPr/>
             <p:nvPr/>
           </p:nvSpPr>
@@ -17790,7 +17913,7 @@
         </p:sp>
         <p:sp>
           <p:nvSpPr>
-            <p:cNvPr id="164" name="Google Shape;164;p21"/>
+            <p:cNvPr id="166" name="Google Shape;166;p21"/>
             <p:cNvSpPr/>
             <p:nvPr/>
           </p:nvSpPr>
@@ -17842,7 +17965,7 @@
       </p:grpSp>
       <p:grpSp>
         <p:nvGrpSpPr>
-          <p:cNvPr id="165" name="Google Shape;165;p21"/>
+          <p:cNvPr id="167" name="Google Shape;167;p21"/>
           <p:cNvGrpSpPr/>
           <p:nvPr/>
         </p:nvGrpSpPr>
@@ -17856,7 +17979,7 @@
         </p:grpSpPr>
         <p:sp>
           <p:nvSpPr>
-            <p:cNvPr id="166" name="Google Shape;166;p21"/>
+            <p:cNvPr id="168" name="Google Shape;168;p21"/>
             <p:cNvSpPr/>
             <p:nvPr/>
           </p:nvSpPr>
@@ -17907,7 +18030,7 @@
         </p:sp>
         <p:sp>
           <p:nvSpPr>
-            <p:cNvPr id="167" name="Google Shape;167;p21"/>
+            <p:cNvPr id="169" name="Google Shape;169;p21"/>
             <p:cNvSpPr/>
             <p:nvPr/>
           </p:nvSpPr>
@@ -17959,7 +18082,7 @@
       </p:grpSp>
       <p:sp>
         <p:nvSpPr>
-          <p:cNvPr id="168" name="Google Shape;168;p21"/>
+          <p:cNvPr id="170" name="Google Shape;170;p21"/>
           <p:cNvSpPr txBox="1"/>
           <p:nvPr>
             <p:ph idx="4294967295" type="title"/>
@@ -17999,7 +18122,7 @@
       </p:sp>
       <p:sp>
         <p:nvSpPr>
-          <p:cNvPr id="169" name="Google Shape;169;p21"/>
+          <p:cNvPr id="171" name="Google Shape;171;p21"/>
           <p:cNvSpPr txBox="1"/>
           <p:nvPr>
             <p:ph idx="4294967295" type="body"/>
@@ -18125,7 +18248,7 @@
       </p:sp>
       <p:pic>
         <p:nvPicPr>
-          <p:cNvPr id="170" name="Google Shape;170;p21"/>
+          <p:cNvPr id="172" name="Google Shape;172;p21"/>
           <p:cNvPicPr preferRelativeResize="0"/>
           <p:nvPr/>
         </p:nvPicPr>
@@ -18153,7 +18276,7 @@
       </p:pic>
       <p:pic>
         <p:nvPicPr>
-          <p:cNvPr id="171" name="Google Shape;171;p21"/>
+          <p:cNvPr id="173" name="Google Shape;173;p21"/>
           <p:cNvPicPr preferRelativeResize="0"/>
           <p:nvPr/>
         </p:nvPicPr>
